--- a/fig/intro/fig4.pptx
+++ b/fig/intro/fig4.pptx
@@ -6,6 +6,7 @@
   </p:sldMasterIdLst>
   <p:sldIdLst>
     <p:sldId id="256" r:id="rId2"/>
+    <p:sldId id="257" r:id="rId3"/>
   </p:sldIdLst>
   <p:sldSz cx="12192000" cy="6858000"/>
   <p:notesSz cx="6858000" cy="9144000"/>
@@ -104,6 +105,11 @@
       </a:defRPr>
     </a:lvl9pPr>
   </p:defaultTextStyle>
+  <p:extLst>
+    <p:ext uri="{EFAFB233-063F-42B5-8137-9DF3F51BA10A}">
+      <p15:sldGuideLst xmlns:p15="http://schemas.microsoft.com/office/powerpoint/2012/main"/>
+    </p:ext>
+  </p:extLst>
 </p:presentation>
 </file>
 
@@ -3623,16 +3629,15 @@
           </p:cNvPicPr>
           <p:nvPr/>
         </p:nvPicPr>
-        <p:blipFill>
+        <p:blipFill rotWithShape="1">
           <a:blip r:embed="rId2"/>
-          <a:stretch>
-            <a:fillRect/>
-          </a:stretch>
+          <a:srcRect l="3000"/>
+          <a:stretch/>
         </p:blipFill>
         <p:spPr>
           <a:xfrm>
-            <a:off x="0" y="2118855"/>
-            <a:ext cx="12192000" cy="2620290"/>
+            <a:off x="365760" y="2118855"/>
+            <a:ext cx="11826240" cy="2620290"/>
           </a:xfrm>
           <a:prstGeom prst="rect">
             <a:avLst/>
@@ -3673,6 +3678,461 @@
     <p:extLst>
       <p:ext uri="{BB962C8B-B14F-4D97-AF65-F5344CB8AC3E}">
         <p14:creationId xmlns:p14="http://schemas.microsoft.com/office/powerpoint/2010/main" val="1262282586"/>
+      </p:ext>
+    </p:extLst>
+  </p:cSld>
+  <p:clrMapOvr>
+    <a:masterClrMapping/>
+  </p:clrMapOvr>
+</p:sld>
+</file>
+
+<file path=ppt/slides/slide2.xml><?xml version="1.0" encoding="utf-8"?>
+<p:sld xmlns:a="http://schemas.openxmlformats.org/drawingml/2006/main" xmlns:r="http://schemas.openxmlformats.org/officeDocument/2006/relationships" xmlns:p="http://schemas.openxmlformats.org/presentationml/2006/main">
+  <p:cSld>
+    <p:spTree>
+      <p:nvGrpSpPr>
+        <p:cNvPr id="1" name=""/>
+        <p:cNvGrpSpPr/>
+        <p:nvPr/>
+      </p:nvGrpSpPr>
+      <p:grpSpPr>
+        <a:xfrm>
+          <a:off x="0" y="0"/>
+          <a:ext cx="0" cy="0"/>
+          <a:chOff x="0" y="0"/>
+          <a:chExt cx="0" cy="0"/>
+        </a:xfrm>
+      </p:grpSpPr>
+      <p:pic>
+        <p:nvPicPr>
+          <p:cNvPr id="5" name="図 4">
+            <a:extLst>
+              <a:ext uri="{FF2B5EF4-FFF2-40B4-BE49-F238E27FC236}">
+                <a16:creationId xmlns:a16="http://schemas.microsoft.com/office/drawing/2014/main" id="{DF1C0329-4EF5-4678-9862-0B93801C0C29}"/>
+              </a:ext>
+            </a:extLst>
+          </p:cNvPr>
+          <p:cNvPicPr>
+            <a:picLocks noChangeAspect="1"/>
+          </p:cNvPicPr>
+          <p:nvPr/>
+        </p:nvPicPr>
+        <p:blipFill rotWithShape="1">
+          <a:blip r:embed="rId2"/>
+          <a:srcRect l="3000" t="16311"/>
+          <a:stretch/>
+        </p:blipFill>
+        <p:spPr>
+          <a:xfrm>
+            <a:off x="365760" y="2560745"/>
+            <a:ext cx="11826240" cy="2192893"/>
+          </a:xfrm>
+          <a:prstGeom prst="rect">
+            <a:avLst/>
+          </a:prstGeom>
+        </p:spPr>
+      </p:pic>
+      <p:pic>
+        <p:nvPicPr>
+          <p:cNvPr id="7" name="図 6">
+            <a:extLst>
+              <a:ext uri="{FF2B5EF4-FFF2-40B4-BE49-F238E27FC236}">
+                <a16:creationId xmlns:a16="http://schemas.microsoft.com/office/drawing/2014/main" id="{37E72E42-4DE5-4680-BC65-8C2251514489}"/>
+              </a:ext>
+            </a:extLst>
+          </p:cNvPr>
+          <p:cNvPicPr>
+            <a:picLocks noChangeAspect="1"/>
+          </p:cNvPicPr>
+          <p:nvPr/>
+        </p:nvPicPr>
+        <p:blipFill>
+          <a:blip r:embed="rId3"/>
+          <a:stretch>
+            <a:fillRect/>
+          </a:stretch>
+        </p:blipFill>
+        <p:spPr>
+          <a:xfrm>
+            <a:off x="138545" y="4711436"/>
+            <a:ext cx="11055928" cy="314863"/>
+          </a:xfrm>
+          <a:prstGeom prst="rect">
+            <a:avLst/>
+          </a:prstGeom>
+        </p:spPr>
+      </p:pic>
+      <p:sp>
+        <p:nvSpPr>
+          <p:cNvPr id="2" name="テキスト ボックス 1">
+            <a:extLst>
+              <a:ext uri="{FF2B5EF4-FFF2-40B4-BE49-F238E27FC236}">
+                <a16:creationId xmlns:a16="http://schemas.microsoft.com/office/drawing/2014/main" id="{DD705342-CC7F-4306-B630-4487A7639608}"/>
+              </a:ext>
+            </a:extLst>
+          </p:cNvPr>
+          <p:cNvSpPr txBox="1"/>
+          <p:nvPr/>
+        </p:nvSpPr>
+        <p:spPr>
+          <a:xfrm>
+            <a:off x="1871003" y="2026474"/>
+            <a:ext cx="1322363" cy="523220"/>
+          </a:xfrm>
+          <a:prstGeom prst="rect">
+            <a:avLst/>
+          </a:prstGeom>
+          <a:noFill/>
+        </p:spPr>
+        <p:txBody>
+          <a:bodyPr wrap="square" rtlCol="0">
+            <a:spAutoFit/>
+          </a:bodyPr>
+          <a:lstStyle/>
+          <a:p>
+            <a:r>
+              <a:rPr kumimoji="1" lang="ja-JP" altLang="en-US" sz="2800" b="1" dirty="0">
+                <a:solidFill>
+                  <a:srgbClr val="FF0000"/>
+                </a:solidFill>
+              </a:rPr>
+              <a:t>木星的</a:t>
+            </a:r>
+            <a:endParaRPr kumimoji="1" lang="ja-JP" altLang="en-US" sz="2000" b="1" dirty="0">
+              <a:solidFill>
+                <a:srgbClr val="FF0000"/>
+              </a:solidFill>
+            </a:endParaRPr>
+          </a:p>
+        </p:txBody>
+      </p:sp>
+      <p:sp>
+        <p:nvSpPr>
+          <p:cNvPr id="6" name="テキスト ボックス 5">
+            <a:extLst>
+              <a:ext uri="{FF2B5EF4-FFF2-40B4-BE49-F238E27FC236}">
+                <a16:creationId xmlns:a16="http://schemas.microsoft.com/office/drawing/2014/main" id="{1D4FC2AB-BCC2-4154-B62D-67627B471AA1}"/>
+              </a:ext>
+            </a:extLst>
+          </p:cNvPr>
+          <p:cNvSpPr txBox="1"/>
+          <p:nvPr/>
+        </p:nvSpPr>
+        <p:spPr>
+          <a:xfrm>
+            <a:off x="4921348" y="2054609"/>
+            <a:ext cx="1676400" cy="523220"/>
+          </a:xfrm>
+          <a:prstGeom prst="rect">
+            <a:avLst/>
+          </a:prstGeom>
+          <a:noFill/>
+        </p:spPr>
+        <p:txBody>
+          <a:bodyPr wrap="square" rtlCol="0">
+            <a:spAutoFit/>
+          </a:bodyPr>
+          <a:lstStyle/>
+          <a:p>
+            <a:r>
+              <a:rPr lang="ja-JP" altLang="en-US" sz="2800" b="1" dirty="0">
+                <a:solidFill>
+                  <a:srgbClr val="FFC000"/>
+                </a:solidFill>
+              </a:rPr>
+              <a:t>遷移状態</a:t>
+            </a:r>
+            <a:endParaRPr kumimoji="1" lang="ja-JP" altLang="en-US" sz="2000" b="1" dirty="0">
+              <a:solidFill>
+                <a:srgbClr val="FFC000"/>
+              </a:solidFill>
+            </a:endParaRPr>
+          </a:p>
+        </p:txBody>
+      </p:sp>
+      <p:sp>
+        <p:nvSpPr>
+          <p:cNvPr id="8" name="テキスト ボックス 7">
+            <a:extLst>
+              <a:ext uri="{FF2B5EF4-FFF2-40B4-BE49-F238E27FC236}">
+                <a16:creationId xmlns:a16="http://schemas.microsoft.com/office/drawing/2014/main" id="{21E7B130-6C48-4D85-BC57-B27D5D8D0FCC}"/>
+              </a:ext>
+            </a:extLst>
+          </p:cNvPr>
+          <p:cNvSpPr txBox="1"/>
+          <p:nvPr/>
+        </p:nvSpPr>
+        <p:spPr>
+          <a:xfrm>
+            <a:off x="7235484" y="2054609"/>
+            <a:ext cx="1439593" cy="523220"/>
+          </a:xfrm>
+          <a:prstGeom prst="rect">
+            <a:avLst/>
+          </a:prstGeom>
+          <a:noFill/>
+        </p:spPr>
+        <p:txBody>
+          <a:bodyPr wrap="square" rtlCol="0">
+            <a:spAutoFit/>
+          </a:bodyPr>
+          <a:lstStyle/>
+          <a:p>
+            <a:r>
+              <a:rPr kumimoji="1" lang="ja-JP" altLang="en-US" sz="2800" b="1" dirty="0">
+                <a:solidFill>
+                  <a:schemeClr val="accent1"/>
+                </a:solidFill>
+              </a:rPr>
+              <a:t>土星的</a:t>
+            </a:r>
+            <a:endParaRPr kumimoji="1" lang="ja-JP" altLang="en-US" sz="2000" b="1" dirty="0">
+              <a:solidFill>
+                <a:schemeClr val="accent1"/>
+              </a:solidFill>
+            </a:endParaRPr>
+          </a:p>
+        </p:txBody>
+      </p:sp>
+      <p:sp>
+        <p:nvSpPr>
+          <p:cNvPr id="9" name="テキスト ボックス 8">
+            <a:extLst>
+              <a:ext uri="{FF2B5EF4-FFF2-40B4-BE49-F238E27FC236}">
+                <a16:creationId xmlns:a16="http://schemas.microsoft.com/office/drawing/2014/main" id="{678CE729-21CE-478F-B56D-70DD26A878CD}"/>
+              </a:ext>
+            </a:extLst>
+          </p:cNvPr>
+          <p:cNvSpPr txBox="1"/>
+          <p:nvPr/>
+        </p:nvSpPr>
+        <p:spPr>
+          <a:xfrm>
+            <a:off x="8846021" y="2035592"/>
+            <a:ext cx="2534742" cy="523220"/>
+          </a:xfrm>
+          <a:prstGeom prst="rect">
+            <a:avLst/>
+          </a:prstGeom>
+          <a:noFill/>
+        </p:spPr>
+        <p:txBody>
+          <a:bodyPr wrap="square" rtlCol="0">
+            <a:spAutoFit/>
+          </a:bodyPr>
+          <a:lstStyle/>
+          <a:p>
+            <a:r>
+              <a:rPr lang="ja-JP" altLang="en-US" sz="2800" b="1" dirty="0">
+                <a:solidFill>
+                  <a:srgbClr val="7030A0"/>
+                </a:solidFill>
+              </a:rPr>
+              <a:t>氷巨大惑星的</a:t>
+            </a:r>
+            <a:endParaRPr kumimoji="1" lang="ja-JP" altLang="en-US" sz="2000" b="1" dirty="0">
+              <a:solidFill>
+                <a:srgbClr val="7030A0"/>
+              </a:solidFill>
+            </a:endParaRPr>
+          </a:p>
+        </p:txBody>
+      </p:sp>
+      <p:sp>
+        <p:nvSpPr>
+          <p:cNvPr id="4" name="テキスト ボックス 3">
+            <a:extLst>
+              <a:ext uri="{FF2B5EF4-FFF2-40B4-BE49-F238E27FC236}">
+                <a16:creationId xmlns:a16="http://schemas.microsoft.com/office/drawing/2014/main" id="{93EF6485-C09C-43F8-9FE7-174038332F5F}"/>
+              </a:ext>
+            </a:extLst>
+          </p:cNvPr>
+          <p:cNvSpPr txBox="1"/>
+          <p:nvPr/>
+        </p:nvSpPr>
+        <p:spPr>
+          <a:xfrm>
+            <a:off x="4909625" y="5259774"/>
+            <a:ext cx="1688123" cy="461665"/>
+          </a:xfrm>
+          <a:prstGeom prst="rect">
+            <a:avLst/>
+          </a:prstGeom>
+          <a:noFill/>
+        </p:spPr>
+        <p:txBody>
+          <a:bodyPr wrap="square" rtlCol="0">
+            <a:spAutoFit/>
+          </a:bodyPr>
+          <a:lstStyle/>
+          <a:p>
+            <a:r>
+              <a:rPr kumimoji="1" lang="en-US" altLang="ja-JP" sz="2400" b="1" dirty="0"/>
+              <a:t>Burger </a:t>
+            </a:r>
+            <a:r>
+              <a:rPr kumimoji="1" lang="ja-JP" altLang="en-US" sz="2400" b="1" dirty="0"/>
+              <a:t>数</a:t>
+            </a:r>
+          </a:p>
+        </p:txBody>
+      </p:sp>
+      <p:cxnSp>
+        <p:nvCxnSpPr>
+          <p:cNvPr id="11" name="直線矢印コネクタ 10">
+            <a:extLst>
+              <a:ext uri="{FF2B5EF4-FFF2-40B4-BE49-F238E27FC236}">
+                <a16:creationId xmlns:a16="http://schemas.microsoft.com/office/drawing/2014/main" id="{A255D7F7-2020-442D-9D0A-EEC3B6E06FC9}"/>
+              </a:ext>
+            </a:extLst>
+          </p:cNvPr>
+          <p:cNvCxnSpPr/>
+          <p:nvPr/>
+        </p:nvCxnSpPr>
+        <p:spPr>
+          <a:xfrm flipH="1">
+            <a:off x="1969477" y="5490606"/>
+            <a:ext cx="2363372" cy="0"/>
+          </a:xfrm>
+          <a:prstGeom prst="straightConnector1">
+            <a:avLst/>
+          </a:prstGeom>
+          <a:ln w="38100">
+            <a:tailEnd type="triangle"/>
+          </a:ln>
+        </p:spPr>
+        <p:style>
+          <a:lnRef idx="1">
+            <a:schemeClr val="dk1"/>
+          </a:lnRef>
+          <a:fillRef idx="0">
+            <a:schemeClr val="dk1"/>
+          </a:fillRef>
+          <a:effectRef idx="0">
+            <a:schemeClr val="dk1"/>
+          </a:effectRef>
+          <a:fontRef idx="minor">
+            <a:schemeClr val="tx1"/>
+          </a:fontRef>
+        </p:style>
+      </p:cxnSp>
+      <p:cxnSp>
+        <p:nvCxnSpPr>
+          <p:cNvPr id="12" name="直線矢印コネクタ 11">
+            <a:extLst>
+              <a:ext uri="{FF2B5EF4-FFF2-40B4-BE49-F238E27FC236}">
+                <a16:creationId xmlns:a16="http://schemas.microsoft.com/office/drawing/2014/main" id="{7A5469FA-78E5-41B0-8F4C-5456A93F9BBD}"/>
+              </a:ext>
+            </a:extLst>
+          </p:cNvPr>
+          <p:cNvCxnSpPr>
+            <a:cxnSpLocks/>
+          </p:cNvCxnSpPr>
+          <p:nvPr/>
+        </p:nvCxnSpPr>
+        <p:spPr>
+          <a:xfrm>
+            <a:off x="6918747" y="5494812"/>
+            <a:ext cx="2363372" cy="0"/>
+          </a:xfrm>
+          <a:prstGeom prst="straightConnector1">
+            <a:avLst/>
+          </a:prstGeom>
+          <a:ln w="38100">
+            <a:tailEnd type="triangle"/>
+          </a:ln>
+        </p:spPr>
+        <p:style>
+          <a:lnRef idx="1">
+            <a:schemeClr val="dk1"/>
+          </a:lnRef>
+          <a:fillRef idx="0">
+            <a:schemeClr val="dk1"/>
+          </a:fillRef>
+          <a:effectRef idx="0">
+            <a:schemeClr val="dk1"/>
+          </a:effectRef>
+          <a:fontRef idx="minor">
+            <a:schemeClr val="tx1"/>
+          </a:fontRef>
+        </p:style>
+      </p:cxnSp>
+      <p:sp>
+        <p:nvSpPr>
+          <p:cNvPr id="16" name="テキスト ボックス 15">
+            <a:extLst>
+              <a:ext uri="{FF2B5EF4-FFF2-40B4-BE49-F238E27FC236}">
+                <a16:creationId xmlns:a16="http://schemas.microsoft.com/office/drawing/2014/main" id="{000D0C16-1002-4B56-A91A-9BBC63188614}"/>
+              </a:ext>
+            </a:extLst>
+          </p:cNvPr>
+          <p:cNvSpPr txBox="1"/>
+          <p:nvPr/>
+        </p:nvSpPr>
+        <p:spPr>
+          <a:xfrm>
+            <a:off x="961079" y="5279685"/>
+            <a:ext cx="1008398" cy="461665"/>
+          </a:xfrm>
+          <a:prstGeom prst="rect">
+            <a:avLst/>
+          </a:prstGeom>
+          <a:noFill/>
+        </p:spPr>
+        <p:txBody>
+          <a:bodyPr wrap="square" rtlCol="0">
+            <a:spAutoFit/>
+          </a:bodyPr>
+          <a:lstStyle/>
+          <a:p>
+            <a:r>
+              <a:rPr lang="ja-JP" altLang="en-US" sz="2400" b="1" dirty="0"/>
+              <a:t>小</a:t>
+            </a:r>
+            <a:endParaRPr kumimoji="1" lang="ja-JP" altLang="en-US" sz="2400" b="1" dirty="0"/>
+          </a:p>
+        </p:txBody>
+      </p:sp>
+      <p:sp>
+        <p:nvSpPr>
+          <p:cNvPr id="17" name="テキスト ボックス 16">
+            <a:extLst>
+              <a:ext uri="{FF2B5EF4-FFF2-40B4-BE49-F238E27FC236}">
+                <a16:creationId xmlns:a16="http://schemas.microsoft.com/office/drawing/2014/main" id="{24F71049-CD2A-415E-BA0A-84D0DE860A07}"/>
+              </a:ext>
+            </a:extLst>
+          </p:cNvPr>
+          <p:cNvSpPr txBox="1"/>
+          <p:nvPr/>
+        </p:nvSpPr>
+        <p:spPr>
+          <a:xfrm>
+            <a:off x="9687950" y="5269730"/>
+            <a:ext cx="1230924" cy="461665"/>
+          </a:xfrm>
+          <a:prstGeom prst="rect">
+            <a:avLst/>
+          </a:prstGeom>
+          <a:noFill/>
+        </p:spPr>
+        <p:txBody>
+          <a:bodyPr wrap="square" rtlCol="0">
+            <a:spAutoFit/>
+          </a:bodyPr>
+          <a:lstStyle/>
+          <a:p>
+            <a:r>
+              <a:rPr kumimoji="1" lang="ja-JP" altLang="en-US" sz="2400" b="1" dirty="0"/>
+              <a:t>大</a:t>
+            </a:r>
+          </a:p>
+        </p:txBody>
+      </p:sp>
+    </p:spTree>
+    <p:extLst>
+      <p:ext uri="{BB962C8B-B14F-4D97-AF65-F5344CB8AC3E}">
+        <p14:creationId xmlns:p14="http://schemas.microsoft.com/office/powerpoint/2010/main" val="3197722"/>
       </p:ext>
     </p:extLst>
   </p:cSld>
